--- a/Group 23_motion.pptx
+++ b/Group 23_motion.pptx
@@ -3467,18 +3467,18 @@
           <a:p>
             <a:r>
               <a:rPr lang="en-GB" altLang="zh-TW" sz="2000" dirty="0">
-                <a:hlinkClick r:id="rId1" tooltip="" action="ppaction://hlinkfile"/>
+                <a:hlinkClick r:id="rId1" action="ppaction://hlinkfile"/>
               </a:rPr>
               <a:t>Grove PIR motion sensor</a:t>
             </a:r>
             <a:endParaRPr lang="en-GB" altLang="zh-TW" sz="2000" dirty="0">
-              <a:hlinkClick r:id="rId1" tooltip="" action="ppaction://hlinkfile"/>
+              <a:hlinkClick r:id="rId1" action="ppaction://hlinkfile"/>
             </a:endParaRPr>
           </a:p>
           <a:p>
             <a:r>
               <a:rPr lang="zh-TW" altLang="en-US" sz="2000" dirty="0">
-                <a:hlinkClick r:id="rId1" tooltip="" action="ppaction://hlinkfile"/>
+                <a:hlinkClick r:id="rId1" action="ppaction://hlinkfile"/>
               </a:rPr>
               <a:t>(Passive Infrared Sensor)</a:t>
             </a:r>
@@ -3611,7 +3611,7 @@
           <a:p>
             <a:r>
               <a:rPr lang="en-US" altLang="zh-CN">
-                <a:hlinkClick r:id="rId4" tooltip="" action="ppaction://hlinkfile"/>
+                <a:hlinkClick r:id="rId4" action="ppaction://hlinkfile"/>
               </a:rPr>
               <a:t>Picture source: https://learn.adafruit.com/pir-passive-infrared-proximity-motion-sensor/how-pirs-work</a:t>
             </a:r>
@@ -3852,7 +3852,7 @@
                 <a:latin typeface="Times New Roman" panose="02020603050405020304" pitchFamily="18" charset="0"/>
                 <a:cs typeface="Times New Roman" panose="02020603050405020304" pitchFamily="18" charset="0"/>
               </a:rPr>
-              <a:t>It has 4 pins and 4 cables.</a:t>
+              <a:t>The motion sensor has 4 pins and 4 cables.</a:t>
             </a:r>
             <a:endParaRPr lang="en-US" altLang="zh-CN">
               <a:latin typeface="Times New Roman" panose="02020603050405020304" pitchFamily="18" charset="0"/>
@@ -4147,7 +4147,7 @@
         </p:nvSpPr>
         <p:spPr>
           <a:xfrm>
-            <a:off x="4436745" y="5079365"/>
+            <a:off x="5514340" y="4989195"/>
             <a:ext cx="5027295" cy="368300"/>
           </a:xfrm>
           <a:prstGeom prst="rect">
@@ -4165,6 +4165,76 @@
               <a:t>Connect the sensor board interfaces correctly</a:t>
             </a:r>
             <a:endParaRPr lang="en-US" altLang="zh-CN"/>
+          </a:p>
+        </p:txBody>
+      </p:sp>
+      <p:pic>
+        <p:nvPicPr>
+          <p:cNvPr id="2" name="图片 1"/>
+          <p:cNvPicPr>
+            <a:picLocks noChangeAspect="1"/>
+          </p:cNvPicPr>
+          <p:nvPr/>
+        </p:nvPicPr>
+        <p:blipFill>
+          <a:blip r:embed="rId4"/>
+          <a:stretch>
+            <a:fillRect/>
+          </a:stretch>
+        </p:blipFill>
+        <p:spPr>
+          <a:xfrm>
+            <a:off x="694690" y="894080"/>
+            <a:ext cx="3295015" cy="5859780"/>
+          </a:xfrm>
+          <a:prstGeom prst="rect">
+            <a:avLst/>
+          </a:prstGeom>
+        </p:spPr>
+      </p:pic>
+      <p:sp>
+        <p:nvSpPr>
+          <p:cNvPr id="6" name="椭圆 5"/>
+          <p:cNvSpPr/>
+          <p:nvPr/>
+        </p:nvSpPr>
+        <p:spPr>
+          <a:xfrm>
+            <a:off x="1697990" y="3659505"/>
+            <a:ext cx="2830195" cy="2423795"/>
+          </a:xfrm>
+          <a:prstGeom prst="ellipse">
+            <a:avLst/>
+          </a:prstGeom>
+          <a:noFill/>
+          <a:ln w="28575" cmpd="sng">
+            <a:solidFill>
+              <a:schemeClr val="accent6"/>
+            </a:solidFill>
+            <a:prstDash val="lgDashDot"/>
+          </a:ln>
+        </p:spPr>
+        <p:style>
+          <a:lnRef idx="2">
+            <a:schemeClr val="accent1">
+              <a:shade val="50000"/>
+            </a:schemeClr>
+          </a:lnRef>
+          <a:fillRef idx="1">
+            <a:schemeClr val="accent1"/>
+          </a:fillRef>
+          <a:effectRef idx="0">
+            <a:schemeClr val="accent1"/>
+          </a:effectRef>
+          <a:fontRef idx="minor">
+            <a:schemeClr val="lt1"/>
+          </a:fontRef>
+        </p:style>
+        <p:txBody>
+          <a:bodyPr rtlCol="0" anchor="ctr"/>
+          <a:p>
+            <a:pPr algn="ctr"/>
+            <a:endParaRPr lang="zh-CN" altLang="en-US"/>
           </a:p>
         </p:txBody>
       </p:sp>
@@ -4651,7 +4721,7 @@
               <a:rPr lang="en-US" altLang="zh-CN">
                 <a:latin typeface="Times New Roman" panose="02020603050405020304" pitchFamily="18" charset="0"/>
                 <a:cs typeface="Times New Roman" panose="02020603050405020304" pitchFamily="18" charset="0"/>
-                <a:hlinkClick r:id="rId2" tooltip="" action="ppaction://hlinkfile"/>
+                <a:hlinkClick r:id="rId2" action="ppaction://hlinkfile"/>
               </a:rPr>
               <a:t>Source: PIC18F micor chip datasheet</a:t>
             </a:r>
@@ -6106,6 +6176,31 @@
           </a:p>
         </p:txBody>
       </p:sp>
+      <p:pic>
+        <p:nvPicPr>
+          <p:cNvPr id="8" name="图片 7"/>
+          <p:cNvPicPr>
+            <a:picLocks noChangeAspect="1"/>
+          </p:cNvPicPr>
+          <p:nvPr/>
+        </p:nvPicPr>
+        <p:blipFill>
+          <a:blip r:embed="rId3"/>
+          <a:srcRect r="642" b="19357"/>
+          <a:stretch>
+            <a:fillRect/>
+          </a:stretch>
+        </p:blipFill>
+        <p:spPr>
+          <a:xfrm>
+            <a:off x="9632315" y="2306320"/>
+            <a:ext cx="2046605" cy="2954020"/>
+          </a:xfrm>
+          <a:prstGeom prst="rect">
+            <a:avLst/>
+          </a:prstGeom>
+        </p:spPr>
+      </p:pic>
     </p:spTree>
   </p:cSld>
   <p:clrMapOvr>

--- a/Group 23_motion.pptx
+++ b/Group 23_motion.pptx
@@ -3542,7 +3542,14 @@
                 <a:latin typeface="Times New Roman" panose="02020603050405020304" pitchFamily="18" charset="0"/>
                 <a:cs typeface="Times New Roman" panose="02020603050405020304" pitchFamily="18" charset="0"/>
               </a:rPr>
-              <a:t>The inferred is from the things which can creat heat. </a:t>
+              <a:t>The inferred is from the things which can creat</a:t>
+            </a:r>
+            <a:r>
+              <a:rPr lang="en-US" altLang="zh-CN">
+                <a:latin typeface="Times New Roman" panose="02020603050405020304" pitchFamily="18" charset="0"/>
+                <a:cs typeface="Times New Roman" panose="02020603050405020304" pitchFamily="18" charset="0"/>
+              </a:rPr>
+              <a:t>e heat. </a:t>
             </a:r>
             <a:endParaRPr lang="en-US" altLang="zh-CN">
               <a:latin typeface="Times New Roman" panose="02020603050405020304" pitchFamily="18" charset="0"/>
@@ -3960,11 +3967,34 @@
                         <a:buNone/>
                       </a:pPr>
                       <a:r>
+                        <a:rPr lang="en-US" altLang="zh-CN" sz="1800">
+                          <a:latin typeface="Times New Roman" panose="02020603050405020304" pitchFamily="18" charset="0"/>
+                          <a:cs typeface="Times New Roman" panose="02020603050405020304" pitchFamily="18" charset="0"/>
+                          <a:sym typeface="+mn-ea"/>
+                        </a:rPr>
+                        <a:t>VCC</a:t>
+                      </a:r>
+                      <a:r>
                         <a:rPr lang="en-US" altLang="zh-CN">
                           <a:latin typeface="Times New Roman" panose="02020603050405020304" pitchFamily="18" charset="0"/>
                           <a:cs typeface="Times New Roman" panose="02020603050405020304" pitchFamily="18" charset="0"/>
                         </a:rPr>
-                        <a:t>Red(VCC)</a:t>
+                        <a:t>(</a:t>
+                      </a:r>
+                      <a:r>
+                        <a:rPr lang="en-US" altLang="zh-CN" sz="1800">
+                          <a:latin typeface="Times New Roman" panose="02020603050405020304" pitchFamily="18" charset="0"/>
+                          <a:cs typeface="Times New Roman" panose="02020603050405020304" pitchFamily="18" charset="0"/>
+                          <a:sym typeface="+mn-ea"/>
+                        </a:rPr>
+                        <a:t>Red</a:t>
+                      </a:r>
+                      <a:r>
+                        <a:rPr lang="en-US" altLang="zh-CN">
+                          <a:latin typeface="Times New Roman" panose="02020603050405020304" pitchFamily="18" charset="0"/>
+                          <a:cs typeface="Times New Roman" panose="02020603050405020304" pitchFamily="18" charset="0"/>
+                        </a:rPr>
+                        <a:t>)</a:t>
                       </a:r>
                       <a:endParaRPr lang="en-US" altLang="zh-CN">
                         <a:latin typeface="Times New Roman" panose="02020603050405020304" pitchFamily="18" charset="0"/>
@@ -4006,11 +4036,34 @@
                         <a:buNone/>
                       </a:pPr>
                       <a:r>
+                        <a:rPr lang="en-US" altLang="zh-CN" sz="1800">
+                          <a:latin typeface="Times New Roman" panose="02020603050405020304" pitchFamily="18" charset="0"/>
+                          <a:cs typeface="Times New Roman" panose="02020603050405020304" pitchFamily="18" charset="0"/>
+                          <a:sym typeface="+mn-ea"/>
+                        </a:rPr>
+                        <a:t>GND</a:t>
+                      </a:r>
+                      <a:r>
                         <a:rPr lang="en-US" altLang="zh-CN">
                           <a:latin typeface="Times New Roman" panose="02020603050405020304" pitchFamily="18" charset="0"/>
                           <a:cs typeface="Times New Roman" panose="02020603050405020304" pitchFamily="18" charset="0"/>
                         </a:rPr>
-                        <a:t>Black(GND)</a:t>
+                        <a:t>(</a:t>
+                      </a:r>
+                      <a:r>
+                        <a:rPr lang="en-US" altLang="zh-CN" sz="1800">
+                          <a:latin typeface="Times New Roman" panose="02020603050405020304" pitchFamily="18" charset="0"/>
+                          <a:cs typeface="Times New Roman" panose="02020603050405020304" pitchFamily="18" charset="0"/>
+                          <a:sym typeface="+mn-ea"/>
+                        </a:rPr>
+                        <a:t>Black</a:t>
+                      </a:r>
+                      <a:r>
+                        <a:rPr lang="en-US" altLang="zh-CN">
+                          <a:latin typeface="Times New Roman" panose="02020603050405020304" pitchFamily="18" charset="0"/>
+                          <a:cs typeface="Times New Roman" panose="02020603050405020304" pitchFamily="18" charset="0"/>
+                        </a:rPr>
+                        <a:t>)</a:t>
                       </a:r>
                       <a:endParaRPr lang="en-US" altLang="zh-CN">
                         <a:latin typeface="Times New Roman" panose="02020603050405020304" pitchFamily="18" charset="0"/>
@@ -4052,11 +4105,34 @@
                         <a:buNone/>
                       </a:pPr>
                       <a:r>
+                        <a:rPr lang="en-US" altLang="zh-CN" sz="1800">
+                          <a:latin typeface="Times New Roman" panose="02020603050405020304" pitchFamily="18" charset="0"/>
+                          <a:cs typeface="Times New Roman" panose="02020603050405020304" pitchFamily="18" charset="0"/>
+                          <a:sym typeface="+mn-ea"/>
+                        </a:rPr>
+                        <a:t>Not connected</a:t>
+                      </a:r>
+                      <a:r>
                         <a:rPr lang="en-US" altLang="zh-CN">
                           <a:latin typeface="Times New Roman" panose="02020603050405020304" pitchFamily="18" charset="0"/>
                           <a:cs typeface="Times New Roman" panose="02020603050405020304" pitchFamily="18" charset="0"/>
                         </a:rPr>
-                        <a:t>White(Not connected)</a:t>
+                        <a:t>(</a:t>
+                      </a:r>
+                      <a:r>
+                        <a:rPr lang="en-US" altLang="zh-CN" sz="1800">
+                          <a:latin typeface="Times New Roman" panose="02020603050405020304" pitchFamily="18" charset="0"/>
+                          <a:cs typeface="Times New Roman" panose="02020603050405020304" pitchFamily="18" charset="0"/>
+                          <a:sym typeface="+mn-ea"/>
+                        </a:rPr>
+                        <a:t>White</a:t>
+                      </a:r>
+                      <a:r>
+                        <a:rPr lang="en-US" altLang="zh-CN">
+                          <a:latin typeface="Times New Roman" panose="02020603050405020304" pitchFamily="18" charset="0"/>
+                          <a:cs typeface="Times New Roman" panose="02020603050405020304" pitchFamily="18" charset="0"/>
+                        </a:rPr>
+                        <a:t>)</a:t>
                       </a:r>
                       <a:endParaRPr lang="en-US" altLang="zh-CN">
                         <a:latin typeface="Times New Roman" panose="02020603050405020304" pitchFamily="18" charset="0"/>
@@ -4098,11 +4174,34 @@
                         <a:buNone/>
                       </a:pPr>
                       <a:r>
+                        <a:rPr lang="en-US" altLang="zh-CN" sz="1800">
+                          <a:latin typeface="Times New Roman" panose="02020603050405020304" pitchFamily="18" charset="0"/>
+                          <a:cs typeface="Times New Roman" panose="02020603050405020304" pitchFamily="18" charset="0"/>
+                          <a:sym typeface="+mn-ea"/>
+                        </a:rPr>
+                        <a:t>D</a:t>
+                      </a:r>
+                      <a:r>
                         <a:rPr lang="en-US" altLang="zh-CN">
                           <a:latin typeface="Times New Roman" panose="02020603050405020304" pitchFamily="18" charset="0"/>
                           <a:cs typeface="Times New Roman" panose="02020603050405020304" pitchFamily="18" charset="0"/>
                         </a:rPr>
+                        <a:t>(</a:t>
+                      </a:r>
+                      <a:r>
+                        <a:rPr lang="en-US" altLang="zh-CN" sz="1800">
+                          <a:latin typeface="Times New Roman" panose="02020603050405020304" pitchFamily="18" charset="0"/>
+                          <a:cs typeface="Times New Roman" panose="02020603050405020304" pitchFamily="18" charset="0"/>
+                          <a:sym typeface="+mn-ea"/>
+                        </a:rPr>
                         <a:t>Yellow</a:t>
+                      </a:r>
+                      <a:r>
+                        <a:rPr lang="en-US" altLang="zh-CN">
+                          <a:latin typeface="Times New Roman" panose="02020603050405020304" pitchFamily="18" charset="0"/>
+                          <a:cs typeface="Times New Roman" panose="02020603050405020304" pitchFamily="18" charset="0"/>
+                        </a:rPr>
+                        <a:t>)</a:t>
                       </a:r>
                       <a:endParaRPr lang="en-US" altLang="zh-CN">
                         <a:latin typeface="Times New Roman" panose="02020603050405020304" pitchFamily="18" charset="0"/>
@@ -4721,7 +4820,7 @@
               <a:rPr lang="en-US" altLang="zh-CN">
                 <a:latin typeface="Times New Roman" panose="02020603050405020304" pitchFamily="18" charset="0"/>
                 <a:cs typeface="Times New Roman" panose="02020603050405020304" pitchFamily="18" charset="0"/>
-                <a:hlinkClick r:id="rId2" action="ppaction://hlinkfile"/>
+                <a:hlinkClick r:id="rId2" tooltip="" action="ppaction://hlinkfile"/>
               </a:rPr>
               <a:t>Source: PIC18F micor chip datasheet</a:t>
             </a:r>
